--- a/Query-System-ideas-for-final.pptx
+++ b/Query-System-ideas-for-final.pptx
@@ -5,7 +5,7 @@
     <p:sldMasterId id="2147483799" r:id="rId1"/>
   </p:sldMasterIdLst>
   <p:notesMasterIdLst>
-    <p:notesMasterId r:id="rId10"/>
+    <p:notesMasterId r:id="rId9"/>
   </p:notesMasterIdLst>
   <p:sldIdLst>
     <p:sldId id="258" r:id="rId2"/>
@@ -14,8 +14,7 @@
     <p:sldId id="263" r:id="rId5"/>
     <p:sldId id="264" r:id="rId6"/>
     <p:sldId id="265" r:id="rId7"/>
-    <p:sldId id="257" r:id="rId8"/>
-    <p:sldId id="266" r:id="rId9"/>
+    <p:sldId id="266" r:id="rId8"/>
   </p:sldIdLst>
   <p:sldSz cx="12192000" cy="6858000"/>
   <p:notesSz cx="6858000" cy="9144000"/>
@@ -204,7 +203,7 @@
           <a:p>
             <a:fld id="{684AE40E-E37E-4A1B-880C-08F2B44E7DB0}" type="datetimeFigureOut">
               <a:rPr lang="zh-TW" altLang="en-US" smtClean="0"/>
-              <a:t>2019/4/16</a:t>
+              <a:t>2020/5/13</a:t>
             </a:fld>
             <a:endParaRPr lang="zh-TW" altLang="en-US"/>
           </a:p>
@@ -839,7 +838,7 @@
           <a:p>
             <a:fld id="{71A4B966-B69D-4B84-A3D4-B8C5E60E260B}" type="datetimeFigureOut">
               <a:rPr lang="zh-TW" altLang="en-US" smtClean="0"/>
-              <a:t>2019/4/16</a:t>
+              <a:t>2020/5/13</a:t>
             </a:fld>
             <a:endParaRPr lang="zh-TW" altLang="en-US"/>
           </a:p>
@@ -1029,7 +1028,7 @@
           <a:p>
             <a:fld id="{71A4B966-B69D-4B84-A3D4-B8C5E60E260B}" type="datetimeFigureOut">
               <a:rPr lang="zh-TW" altLang="en-US" smtClean="0"/>
-              <a:t>2019/4/16</a:t>
+              <a:t>2020/5/13</a:t>
             </a:fld>
             <a:endParaRPr lang="zh-TW" altLang="en-US"/>
           </a:p>
@@ -1209,7 +1208,7 @@
           <a:p>
             <a:fld id="{71A4B966-B69D-4B84-A3D4-B8C5E60E260B}" type="datetimeFigureOut">
               <a:rPr lang="zh-TW" altLang="en-US" smtClean="0"/>
-              <a:t>2019/4/16</a:t>
+              <a:t>2020/5/13</a:t>
             </a:fld>
             <a:endParaRPr lang="zh-TW" altLang="en-US"/>
           </a:p>
@@ -1379,7 +1378,7 @@
           <a:p>
             <a:fld id="{71A4B966-B69D-4B84-A3D4-B8C5E60E260B}" type="datetimeFigureOut">
               <a:rPr lang="zh-TW" altLang="en-US" smtClean="0"/>
-              <a:t>2019/4/16</a:t>
+              <a:t>2020/5/13</a:t>
             </a:fld>
             <a:endParaRPr lang="zh-TW" altLang="en-US"/>
           </a:p>
@@ -1635,7 +1634,7 @@
           <a:p>
             <a:fld id="{71A4B966-B69D-4B84-A3D4-B8C5E60E260B}" type="datetimeFigureOut">
               <a:rPr lang="zh-TW" altLang="en-US" smtClean="0"/>
-              <a:t>2019/4/16</a:t>
+              <a:t>2020/5/13</a:t>
             </a:fld>
             <a:endParaRPr lang="zh-TW" altLang="en-US"/>
           </a:p>
@@ -1923,7 +1922,7 @@
           <a:p>
             <a:fld id="{71A4B966-B69D-4B84-A3D4-B8C5E60E260B}" type="datetimeFigureOut">
               <a:rPr lang="zh-TW" altLang="en-US" smtClean="0"/>
-              <a:t>2019/4/16</a:t>
+              <a:t>2020/5/13</a:t>
             </a:fld>
             <a:endParaRPr lang="zh-TW" altLang="en-US"/>
           </a:p>
@@ -2361,7 +2360,7 @@
           <a:p>
             <a:fld id="{71A4B966-B69D-4B84-A3D4-B8C5E60E260B}" type="datetimeFigureOut">
               <a:rPr lang="zh-TW" altLang="en-US" smtClean="0"/>
-              <a:t>2019/4/16</a:t>
+              <a:t>2020/5/13</a:t>
             </a:fld>
             <a:endParaRPr lang="zh-TW" altLang="en-US"/>
           </a:p>
@@ -2479,7 +2478,7 @@
           <a:p>
             <a:fld id="{71A4B966-B69D-4B84-A3D4-B8C5E60E260B}" type="datetimeFigureOut">
               <a:rPr lang="zh-TW" altLang="en-US" smtClean="0"/>
-              <a:t>2019/4/16</a:t>
+              <a:t>2020/5/13</a:t>
             </a:fld>
             <a:endParaRPr lang="zh-TW" altLang="en-US"/>
           </a:p>
@@ -2574,7 +2573,7 @@
           <a:p>
             <a:fld id="{71A4B966-B69D-4B84-A3D4-B8C5E60E260B}" type="datetimeFigureOut">
               <a:rPr lang="zh-TW" altLang="en-US" smtClean="0"/>
-              <a:t>2019/4/16</a:t>
+              <a:t>2020/5/13</a:t>
             </a:fld>
             <a:endParaRPr lang="zh-TW" altLang="en-US"/>
           </a:p>
@@ -2930,7 +2929,7 @@
           <a:p>
             <a:fld id="{71A4B966-B69D-4B84-A3D4-B8C5E60E260B}" type="datetimeFigureOut">
               <a:rPr lang="zh-TW" altLang="en-US" smtClean="0"/>
-              <a:t>2019/4/16</a:t>
+              <a:t>2020/5/13</a:t>
             </a:fld>
             <a:endParaRPr lang="zh-TW" altLang="en-US"/>
           </a:p>
@@ -3246,7 +3245,7 @@
           <a:p>
             <a:fld id="{71A4B966-B69D-4B84-A3D4-B8C5E60E260B}" type="datetimeFigureOut">
               <a:rPr lang="zh-TW" altLang="en-US" smtClean="0"/>
-              <a:t>2019/4/16</a:t>
+              <a:t>2020/5/13</a:t>
             </a:fld>
             <a:endParaRPr lang="zh-TW" altLang="en-US"/>
           </a:p>
@@ -3479,7 +3478,7 @@
           <a:p>
             <a:fld id="{71A4B966-B69D-4B84-A3D4-B8C5E60E260B}" type="datetimeFigureOut">
               <a:rPr lang="zh-TW" altLang="en-US" smtClean="0"/>
-              <a:t>2019/4/16</a:t>
+              <a:t>2020/5/13</a:t>
             </a:fld>
             <a:endParaRPr lang="zh-TW" altLang="en-US"/>
           </a:p>
@@ -4016,49 +4015,6 @@
           </a:p>
         </p:txBody>
       </p:sp>
-      <p:sp>
-        <p:nvSpPr>
-          <p:cNvPr id="12" name="文字方塊 11">
-            <a:extLst>
-              <a:ext uri="{FF2B5EF4-FFF2-40B4-BE49-F238E27FC236}">
-                <a16:creationId xmlns:a16="http://schemas.microsoft.com/office/drawing/2014/main" id="{A8484D41-77BF-4F1F-B8DC-A30F61E8A4BD}"/>
-              </a:ext>
-            </a:extLst>
-          </p:cNvPr>
-          <p:cNvSpPr txBox="1"/>
-          <p:nvPr/>
-        </p:nvSpPr>
-        <p:spPr>
-          <a:xfrm>
-            <a:off x="10302664" y="6177321"/>
-            <a:ext cx="2269067" cy="369332"/>
-          </a:xfrm>
-          <a:prstGeom prst="rect">
-            <a:avLst/>
-          </a:prstGeom>
-          <a:noFill/>
-        </p:spPr>
-        <p:txBody>
-          <a:bodyPr wrap="square" rtlCol="0">
-            <a:spAutoFit/>
-          </a:bodyPr>
-          <a:lstStyle/>
-          <a:p>
-            <a:r>
-              <a:rPr lang="zh-TW" altLang="en-US" b="1" dirty="0">
-                <a:solidFill>
-                  <a:schemeClr val="bg2">
-                    <a:lumMod val="25000"/>
-                  </a:schemeClr>
-                </a:solidFill>
-                <a:latin typeface="標楷體" panose="03000509000000000000" pitchFamily="65" charset="-120"/>
-                <a:ea typeface="標楷體" panose="03000509000000000000" pitchFamily="65" charset="-120"/>
-              </a:rPr>
-              <a:t>蘇柏庄 郭毓萍</a:t>
-            </a:r>
-          </a:p>
-        </p:txBody>
-      </p:sp>
     </p:spTree>
     <p:extLst>
       <p:ext uri="{BB962C8B-B14F-4D97-AF65-F5344CB8AC3E}">
@@ -5157,534 +5113,6 @@
 </file>
 
 <file path=ppt/slides/slide7.xml><?xml version="1.0" encoding="utf-8"?>
-<p:sld xmlns:a="http://schemas.openxmlformats.org/drawingml/2006/main" xmlns:r="http://schemas.openxmlformats.org/officeDocument/2006/relationships" xmlns:p="http://schemas.openxmlformats.org/presentationml/2006/main">
-  <p:cSld>
-    <p:spTree>
-      <p:nvGrpSpPr>
-        <p:cNvPr id="1" name=""/>
-        <p:cNvGrpSpPr/>
-        <p:nvPr/>
-      </p:nvGrpSpPr>
-      <p:grpSpPr>
-        <a:xfrm>
-          <a:off x="0" y="0"/>
-          <a:ext cx="0" cy="0"/>
-          <a:chOff x="0" y="0"/>
-          <a:chExt cx="0" cy="0"/>
-        </a:xfrm>
-      </p:grpSpPr>
-      <p:sp>
-        <p:nvSpPr>
-          <p:cNvPr id="2" name="標題 1">
-            <a:extLst>
-              <a:ext uri="{FF2B5EF4-FFF2-40B4-BE49-F238E27FC236}">
-                <a16:creationId xmlns:a16="http://schemas.microsoft.com/office/drawing/2014/main" id="{CD891A15-8C04-4630-9065-F3729659ECEB}"/>
-              </a:ext>
-            </a:extLst>
-          </p:cNvPr>
-          <p:cNvSpPr>
-            <a:spLocks noGrp="1"/>
-          </p:cNvSpPr>
-          <p:nvPr>
-            <p:ph type="title"/>
-          </p:nvPr>
-        </p:nvSpPr>
-        <p:spPr>
-          <a:xfrm>
-            <a:off x="657224" y="1345730"/>
-            <a:ext cx="10772775" cy="1658198"/>
-          </a:xfrm>
-        </p:spPr>
-        <p:txBody>
-          <a:bodyPr/>
-          <a:lstStyle/>
-          <a:p>
-            <a:r>
-              <a:rPr lang="en-US" altLang="zh-TW" dirty="0"/>
-              <a:t>technique</a:t>
-            </a:r>
-            <a:endParaRPr lang="zh-TW" altLang="en-US" dirty="0"/>
-          </a:p>
-        </p:txBody>
-      </p:sp>
-      <p:sp>
-        <p:nvSpPr>
-          <p:cNvPr id="3" name="內容版面配置區 2">
-            <a:extLst>
-              <a:ext uri="{FF2B5EF4-FFF2-40B4-BE49-F238E27FC236}">
-                <a16:creationId xmlns:a16="http://schemas.microsoft.com/office/drawing/2014/main" id="{42C77AC3-C02F-4FCE-91C1-AC3C12EF58C1}"/>
-              </a:ext>
-            </a:extLst>
-          </p:cNvPr>
-          <p:cNvSpPr>
-            <a:spLocks noGrp="1"/>
-          </p:cNvSpPr>
-          <p:nvPr>
-            <p:ph idx="1"/>
-          </p:nvPr>
-        </p:nvSpPr>
-        <p:spPr>
-          <a:xfrm>
-            <a:off x="838200" y="2675240"/>
-            <a:ext cx="10515600" cy="1178832"/>
-          </a:xfrm>
-        </p:spPr>
-        <p:txBody>
-          <a:bodyPr>
-            <a:normAutofit fontScale="92500" lnSpcReduction="10000"/>
-          </a:bodyPr>
-          <a:lstStyle/>
-          <a:p>
-            <a:r>
-              <a:rPr lang="en-US" altLang="zh-TW" dirty="0"/>
-              <a:t>More specific key words for machine learning</a:t>
-            </a:r>
-          </a:p>
-          <a:p>
-            <a:r>
-              <a:rPr lang="en-US" altLang="zh-TW" dirty="0"/>
-              <a:t>Improve the query system in terms of calculation</a:t>
-            </a:r>
-          </a:p>
-          <a:p>
-            <a:r>
-              <a:rPr lang="en-US" altLang="zh-TW" dirty="0"/>
-              <a:t># Can’t improve the speed of downloading pdf files</a:t>
-            </a:r>
-          </a:p>
-          <a:p>
-            <a:endParaRPr lang="zh-TW" altLang="en-US" dirty="0"/>
-          </a:p>
-        </p:txBody>
-      </p:sp>
-      <p:sp>
-        <p:nvSpPr>
-          <p:cNvPr id="4" name="標題 1">
-            <a:extLst>
-              <a:ext uri="{FF2B5EF4-FFF2-40B4-BE49-F238E27FC236}">
-                <a16:creationId xmlns:a16="http://schemas.microsoft.com/office/drawing/2014/main" id="{C2CF3545-DBC6-48AA-94B7-9AC278A39FDB}"/>
-              </a:ext>
-            </a:extLst>
-          </p:cNvPr>
-          <p:cNvSpPr txBox="1">
-            <a:spLocks/>
-          </p:cNvSpPr>
-          <p:nvPr/>
-        </p:nvSpPr>
-        <p:spPr>
-          <a:xfrm>
-            <a:off x="657224" y="3854072"/>
-            <a:ext cx="10515600" cy="1325563"/>
-          </a:xfrm>
-          <a:prstGeom prst="rect">
-            <a:avLst/>
-          </a:prstGeom>
-        </p:spPr>
-        <p:txBody>
-          <a:bodyPr vert="horz" lIns="91440" tIns="45720" rIns="91440" bIns="45720" rtlCol="0" anchor="ctr">
-            <a:normAutofit/>
-          </a:bodyPr>
-          <a:lstStyle>
-            <a:lvl1pPr algn="l" defTabSz="914400" rtl="0" eaLnBrk="1" latinLnBrk="0" hangingPunct="1">
-              <a:lnSpc>
-                <a:spcPct val="90000"/>
-              </a:lnSpc>
-              <a:spcBef>
-                <a:spcPct val="0"/>
-              </a:spcBef>
-              <a:buNone/>
-              <a:defRPr sz="4400" kern="1200">
-                <a:solidFill>
-                  <a:schemeClr val="tx1"/>
-                </a:solidFill>
-                <a:latin typeface="+mj-lt"/>
-                <a:ea typeface="+mj-ea"/>
-                <a:cs typeface="+mj-cs"/>
-              </a:defRPr>
-            </a:lvl1pPr>
-          </a:lstStyle>
-          <a:p>
-            <a:pPr>
-              <a:lnSpc>
-                <a:spcPct val="85000"/>
-              </a:lnSpc>
-            </a:pPr>
-            <a:r>
-              <a:rPr lang="en-US" altLang="zh-TW" sz="5400" spc="-120" dirty="0">
-                <a:solidFill>
-                  <a:schemeClr val="accent1"/>
-                </a:solidFill>
-              </a:rPr>
-              <a:t>interface</a:t>
-            </a:r>
-            <a:endParaRPr lang="zh-TW" altLang="en-US" sz="5400" spc="-120" dirty="0">
-              <a:solidFill>
-                <a:schemeClr val="accent1"/>
-              </a:solidFill>
-            </a:endParaRPr>
-          </a:p>
-        </p:txBody>
-      </p:sp>
-      <p:sp>
-        <p:nvSpPr>
-          <p:cNvPr id="5" name="內容版面配置區 2">
-            <a:extLst>
-              <a:ext uri="{FF2B5EF4-FFF2-40B4-BE49-F238E27FC236}">
-                <a16:creationId xmlns:a16="http://schemas.microsoft.com/office/drawing/2014/main" id="{BEA3254F-D04E-4A7A-B4BF-6AC2F9409898}"/>
-              </a:ext>
-            </a:extLst>
-          </p:cNvPr>
-          <p:cNvSpPr txBox="1">
-            <a:spLocks/>
-          </p:cNvSpPr>
-          <p:nvPr/>
-        </p:nvSpPr>
-        <p:spPr>
-          <a:xfrm>
-            <a:off x="838200" y="5052635"/>
-            <a:ext cx="10515600" cy="1178832"/>
-          </a:xfrm>
-          <a:prstGeom prst="rect">
-            <a:avLst/>
-          </a:prstGeom>
-        </p:spPr>
-        <p:txBody>
-          <a:bodyPr vert="horz" lIns="91440" tIns="45720" rIns="91440" bIns="45720" rtlCol="0">
-            <a:normAutofit/>
-          </a:bodyPr>
-          <a:lstStyle>
-            <a:lvl1pPr marL="228600" indent="-228600" algn="l" defTabSz="914400" rtl="0" eaLnBrk="1" latinLnBrk="0" hangingPunct="1">
-              <a:lnSpc>
-                <a:spcPct val="90000"/>
-              </a:lnSpc>
-              <a:spcBef>
-                <a:spcPts val="1000"/>
-              </a:spcBef>
-              <a:buFont typeface="Arial" panose="020B0604020202020204" pitchFamily="34" charset="0"/>
-              <a:buChar char="•"/>
-              <a:defRPr sz="2800" kern="1200">
-                <a:solidFill>
-                  <a:schemeClr val="tx1"/>
-                </a:solidFill>
-                <a:latin typeface="+mn-lt"/>
-                <a:ea typeface="+mn-ea"/>
-                <a:cs typeface="+mn-cs"/>
-              </a:defRPr>
-            </a:lvl1pPr>
-            <a:lvl2pPr marL="685800" indent="-228600" algn="l" defTabSz="914400" rtl="0" eaLnBrk="1" latinLnBrk="0" hangingPunct="1">
-              <a:lnSpc>
-                <a:spcPct val="90000"/>
-              </a:lnSpc>
-              <a:spcBef>
-                <a:spcPts val="500"/>
-              </a:spcBef>
-              <a:buFont typeface="Arial" panose="020B0604020202020204" pitchFamily="34" charset="0"/>
-              <a:buChar char="•"/>
-              <a:defRPr sz="2400" kern="1200">
-                <a:solidFill>
-                  <a:schemeClr val="tx1"/>
-                </a:solidFill>
-                <a:latin typeface="+mn-lt"/>
-                <a:ea typeface="+mn-ea"/>
-                <a:cs typeface="+mn-cs"/>
-              </a:defRPr>
-            </a:lvl2pPr>
-            <a:lvl3pPr marL="1143000" indent="-228600" algn="l" defTabSz="914400" rtl="0" eaLnBrk="1" latinLnBrk="0" hangingPunct="1">
-              <a:lnSpc>
-                <a:spcPct val="90000"/>
-              </a:lnSpc>
-              <a:spcBef>
-                <a:spcPts val="500"/>
-              </a:spcBef>
-              <a:buFont typeface="Arial" panose="020B0604020202020204" pitchFamily="34" charset="0"/>
-              <a:buChar char="•"/>
-              <a:defRPr sz="2000" kern="1200">
-                <a:solidFill>
-                  <a:schemeClr val="tx1"/>
-                </a:solidFill>
-                <a:latin typeface="+mn-lt"/>
-                <a:ea typeface="+mn-ea"/>
-                <a:cs typeface="+mn-cs"/>
-              </a:defRPr>
-            </a:lvl3pPr>
-            <a:lvl4pPr marL="1600200" indent="-228600" algn="l" defTabSz="914400" rtl="0" eaLnBrk="1" latinLnBrk="0" hangingPunct="1">
-              <a:lnSpc>
-                <a:spcPct val="90000"/>
-              </a:lnSpc>
-              <a:spcBef>
-                <a:spcPts val="500"/>
-              </a:spcBef>
-              <a:buFont typeface="Arial" panose="020B0604020202020204" pitchFamily="34" charset="0"/>
-              <a:buChar char="•"/>
-              <a:defRPr sz="1800" kern="1200">
-                <a:solidFill>
-                  <a:schemeClr val="tx1"/>
-                </a:solidFill>
-                <a:latin typeface="+mn-lt"/>
-                <a:ea typeface="+mn-ea"/>
-                <a:cs typeface="+mn-cs"/>
-              </a:defRPr>
-            </a:lvl4pPr>
-            <a:lvl5pPr marL="2057400" indent="-228600" algn="l" defTabSz="914400" rtl="0" eaLnBrk="1" latinLnBrk="0" hangingPunct="1">
-              <a:lnSpc>
-                <a:spcPct val="90000"/>
-              </a:lnSpc>
-              <a:spcBef>
-                <a:spcPts val="500"/>
-              </a:spcBef>
-              <a:buFont typeface="Arial" panose="020B0604020202020204" pitchFamily="34" charset="0"/>
-              <a:buChar char="•"/>
-              <a:defRPr sz="1800" kern="1200">
-                <a:solidFill>
-                  <a:schemeClr val="tx1"/>
-                </a:solidFill>
-                <a:latin typeface="+mn-lt"/>
-                <a:ea typeface="+mn-ea"/>
-                <a:cs typeface="+mn-cs"/>
-              </a:defRPr>
-            </a:lvl5pPr>
-            <a:lvl6pPr marL="2514600" indent="-228600" algn="l" defTabSz="914400" rtl="0" eaLnBrk="1" latinLnBrk="0" hangingPunct="1">
-              <a:lnSpc>
-                <a:spcPct val="90000"/>
-              </a:lnSpc>
-              <a:spcBef>
-                <a:spcPts val="500"/>
-              </a:spcBef>
-              <a:buFont typeface="Arial" panose="020B0604020202020204" pitchFamily="34" charset="0"/>
-              <a:buChar char="•"/>
-              <a:defRPr sz="1800" kern="1200">
-                <a:solidFill>
-                  <a:schemeClr val="tx1"/>
-                </a:solidFill>
-                <a:latin typeface="+mn-lt"/>
-                <a:ea typeface="+mn-ea"/>
-                <a:cs typeface="+mn-cs"/>
-              </a:defRPr>
-            </a:lvl6pPr>
-            <a:lvl7pPr marL="2971800" indent="-228600" algn="l" defTabSz="914400" rtl="0" eaLnBrk="1" latinLnBrk="0" hangingPunct="1">
-              <a:lnSpc>
-                <a:spcPct val="90000"/>
-              </a:lnSpc>
-              <a:spcBef>
-                <a:spcPts val="500"/>
-              </a:spcBef>
-              <a:buFont typeface="Arial" panose="020B0604020202020204" pitchFamily="34" charset="0"/>
-              <a:buChar char="•"/>
-              <a:defRPr sz="1800" kern="1200">
-                <a:solidFill>
-                  <a:schemeClr val="tx1"/>
-                </a:solidFill>
-                <a:latin typeface="+mn-lt"/>
-                <a:ea typeface="+mn-ea"/>
-                <a:cs typeface="+mn-cs"/>
-              </a:defRPr>
-            </a:lvl7pPr>
-            <a:lvl8pPr marL="3429000" indent="-228600" algn="l" defTabSz="914400" rtl="0" eaLnBrk="1" latinLnBrk="0" hangingPunct="1">
-              <a:lnSpc>
-                <a:spcPct val="90000"/>
-              </a:lnSpc>
-              <a:spcBef>
-                <a:spcPts val="500"/>
-              </a:spcBef>
-              <a:buFont typeface="Arial" panose="020B0604020202020204" pitchFamily="34" charset="0"/>
-              <a:buChar char="•"/>
-              <a:defRPr sz="1800" kern="1200">
-                <a:solidFill>
-                  <a:schemeClr val="tx1"/>
-                </a:solidFill>
-                <a:latin typeface="+mn-lt"/>
-                <a:ea typeface="+mn-ea"/>
-                <a:cs typeface="+mn-cs"/>
-              </a:defRPr>
-            </a:lvl8pPr>
-            <a:lvl9pPr marL="3886200" indent="-228600" algn="l" defTabSz="914400" rtl="0" eaLnBrk="1" latinLnBrk="0" hangingPunct="1">
-              <a:lnSpc>
-                <a:spcPct val="90000"/>
-              </a:lnSpc>
-              <a:spcBef>
-                <a:spcPts val="500"/>
-              </a:spcBef>
-              <a:buFont typeface="Arial" panose="020B0604020202020204" pitchFamily="34" charset="0"/>
-              <a:buChar char="•"/>
-              <a:defRPr sz="1800" kern="1200">
-                <a:solidFill>
-                  <a:schemeClr val="tx1"/>
-                </a:solidFill>
-                <a:latin typeface="+mn-lt"/>
-                <a:ea typeface="+mn-ea"/>
-                <a:cs typeface="+mn-cs"/>
-              </a:defRPr>
-            </a:lvl9pPr>
-          </a:lstStyle>
-          <a:p>
-            <a:pPr marL="91440" indent="-91440">
-              <a:lnSpc>
-                <a:spcPct val="85000"/>
-              </a:lnSpc>
-              <a:spcBef>
-                <a:spcPts val="1300"/>
-              </a:spcBef>
-              <a:buFont typeface="Arial" pitchFamily="34" charset="0"/>
-              <a:buChar char=" "/>
-            </a:pPr>
-            <a:r>
-              <a:rPr lang="en-US" altLang="zh-TW" sz="2400" dirty="0">
-                <a:solidFill>
-                  <a:schemeClr val="tx1">
-                    <a:lumMod val="85000"/>
-                    <a:lumOff val="15000"/>
-                  </a:schemeClr>
-                </a:solidFill>
-              </a:rPr>
-              <a:t>Add hyperlinks to the address of papers &amp; </a:t>
-            </a:r>
-            <a:r>
-              <a:rPr lang="en-US" altLang="zh-TW" sz="2400" dirty="0" err="1">
-                <a:solidFill>
-                  <a:schemeClr val="tx1">
-                    <a:lumMod val="85000"/>
-                    <a:lumOff val="15000"/>
-                  </a:schemeClr>
-                </a:solidFill>
-              </a:rPr>
-              <a:t>github</a:t>
-            </a:r>
-            <a:r>
-              <a:rPr lang="en-US" altLang="zh-TW" sz="2400" dirty="0">
-                <a:solidFill>
-                  <a:schemeClr val="tx1">
-                    <a:lumMod val="85000"/>
-                    <a:lumOff val="15000"/>
-                  </a:schemeClr>
-                </a:solidFill>
-              </a:rPr>
-              <a:t> codes</a:t>
-            </a:r>
-          </a:p>
-          <a:p>
-            <a:pPr marL="91440" indent="-91440">
-              <a:lnSpc>
-                <a:spcPct val="85000"/>
-              </a:lnSpc>
-              <a:spcBef>
-                <a:spcPts val="1300"/>
-              </a:spcBef>
-              <a:buFont typeface="Arial" pitchFamily="34" charset="0"/>
-              <a:buChar char=" "/>
-            </a:pPr>
-            <a:r>
-              <a:rPr lang="en-US" altLang="zh-TW" sz="2400" dirty="0">
-                <a:solidFill>
-                  <a:schemeClr val="tx1">
-                    <a:lumMod val="85000"/>
-                    <a:lumOff val="15000"/>
-                  </a:schemeClr>
-                </a:solidFill>
-              </a:rPr>
-              <a:t>Add </a:t>
-            </a:r>
-            <a:r>
-              <a:rPr lang="en-US" altLang="zh-TW" sz="2400" dirty="0" err="1">
-                <a:solidFill>
-                  <a:schemeClr val="tx1">
-                    <a:lumMod val="85000"/>
-                    <a:lumOff val="15000"/>
-                  </a:schemeClr>
-                </a:solidFill>
-              </a:rPr>
-              <a:t>Rocchio</a:t>
-            </a:r>
-            <a:r>
-              <a:rPr lang="en-US" altLang="zh-TW" sz="2400" dirty="0">
-                <a:solidFill>
-                  <a:schemeClr val="tx1">
-                    <a:lumMod val="85000"/>
-                    <a:lumOff val="15000"/>
-                  </a:schemeClr>
-                </a:solidFill>
-              </a:rPr>
-              <a:t> Feedback</a:t>
-            </a:r>
-          </a:p>
-        </p:txBody>
-      </p:sp>
-      <p:sp>
-        <p:nvSpPr>
-          <p:cNvPr id="6" name="標題 1">
-            <a:extLst>
-              <a:ext uri="{FF2B5EF4-FFF2-40B4-BE49-F238E27FC236}">
-                <a16:creationId xmlns:a16="http://schemas.microsoft.com/office/drawing/2014/main" id="{FA9885C1-0431-4D29-9560-E9060AE2C5D4}"/>
-              </a:ext>
-            </a:extLst>
-          </p:cNvPr>
-          <p:cNvSpPr txBox="1">
-            <a:spLocks/>
-          </p:cNvSpPr>
-          <p:nvPr/>
-        </p:nvSpPr>
-        <p:spPr>
-          <a:xfrm>
-            <a:off x="528636" y="417761"/>
-            <a:ext cx="10772775" cy="1658198"/>
-          </a:xfrm>
-          <a:prstGeom prst="rect">
-            <a:avLst/>
-          </a:prstGeom>
-        </p:spPr>
-        <p:txBody>
-          <a:bodyPr vert="horz" lIns="91440" tIns="45720" rIns="91440" bIns="45720" rtlCol="0" anchor="ctr">
-            <a:normAutofit/>
-          </a:bodyPr>
-          <a:lstStyle>
-            <a:lvl1pPr algn="l" defTabSz="914400" rtl="0" eaLnBrk="1" latinLnBrk="0" hangingPunct="1">
-              <a:lnSpc>
-                <a:spcPct val="85000"/>
-              </a:lnSpc>
-              <a:spcBef>
-                <a:spcPct val="0"/>
-              </a:spcBef>
-              <a:buNone/>
-              <a:defRPr sz="5400" kern="1200" spc="-120" baseline="0">
-                <a:solidFill>
-                  <a:schemeClr val="accent1"/>
-                </a:solidFill>
-                <a:latin typeface="+mj-lt"/>
-                <a:ea typeface="+mj-ea"/>
-                <a:cs typeface="+mj-cs"/>
-              </a:defRPr>
-            </a:lvl1pPr>
-          </a:lstStyle>
-          <a:p>
-            <a:r>
-              <a:rPr lang="en-US" altLang="zh-TW" dirty="0">
-                <a:solidFill>
-                  <a:srgbClr val="0070C0"/>
-                </a:solidFill>
-              </a:rPr>
-              <a:t>Future Improvements</a:t>
-            </a:r>
-            <a:endParaRPr lang="zh-TW" altLang="en-US" dirty="0">
-              <a:solidFill>
-                <a:srgbClr val="0070C0"/>
-              </a:solidFill>
-            </a:endParaRPr>
-          </a:p>
-        </p:txBody>
-      </p:sp>
-    </p:spTree>
-    <p:extLst>
-      <p:ext uri="{BB962C8B-B14F-4D97-AF65-F5344CB8AC3E}">
-        <p14:creationId xmlns:p14="http://schemas.microsoft.com/office/powerpoint/2010/main" val="1514929074"/>
-      </p:ext>
-    </p:extLst>
-  </p:cSld>
-  <p:clrMapOvr>
-    <a:masterClrMapping/>
-  </p:clrMapOvr>
-</p:sld>
-</file>
-
-<file path=ppt/slides/slide8.xml><?xml version="1.0" encoding="utf-8"?>
 <p:sld xmlns:a="http://schemas.openxmlformats.org/drawingml/2006/main" xmlns:r="http://schemas.openxmlformats.org/officeDocument/2006/relationships" xmlns:p="http://schemas.openxmlformats.org/presentationml/2006/main">
   <p:cSld>
     <p:spTree>
